--- a/presentation/DccWeekChallenge-2023.pptx
+++ b/presentation/DccWeekChallenge-2023.pptx
@@ -4,6 +4,9 @@
   <p:sldMasterIdLst>
     <p:sldMasterId id="2147483648" r:id="rId1"/>
   </p:sldMasterIdLst>
+  <p:notesMasterIdLst>
+    <p:notesMasterId r:id="rId9"/>
+  </p:notesMasterIdLst>
   <p:sldIdLst>
     <p:sldId id="256" r:id="rId2"/>
     <p:sldId id="257" r:id="rId3"/>
@@ -121,7 +124,7 @@
 <file path=ppt/revisionInfo.xml><?xml version="1.0" encoding="utf-8"?>
 <p1510:revInfo xmlns:a="http://schemas.openxmlformats.org/drawingml/2006/main" xmlns:r="http://schemas.openxmlformats.org/officeDocument/2006/relationships" xmlns:p1510="http://schemas.microsoft.com/office/powerpoint/2015/10/main">
   <p1510:revLst>
-    <p1510:client id="{213456DE-F0A7-B54C-B5DE-4DBBB620BC87}" v="70" dt="2023-03-07T10:17:10.046"/>
+    <p1510:client id="{F981C50A-0ADC-4D36-80B1-A5861D1173FD}" v="1" dt="2023-03-09T11:05:11.756"/>
   </p1510:revLst>
 </p1510:revInfo>
 </file>
@@ -173,6 +176,206 @@
             <ac:picMk id="6" creationId="{EE410D42-AADB-D8F5-1B18-430881F83CC6}"/>
           </ac:picMkLst>
         </pc:picChg>
+      </pc:sldChg>
+    </pc:docChg>
+  </pc:docChgLst>
+  <pc:docChgLst>
+    <pc:chgData name="Bruno Barbosa" userId="0e4079a4e7ff93ff" providerId="LiveId" clId="{F981C50A-0ADC-4D36-80B1-A5861D1173FD}"/>
+    <pc:docChg chg="modSld">
+      <pc:chgData name="Bruno Barbosa" userId="0e4079a4e7ff93ff" providerId="LiveId" clId="{F981C50A-0ADC-4D36-80B1-A5861D1173FD}" dt="2023-03-09T11:06:27.810" v="23" actId="207"/>
+      <pc:docMkLst>
+        <pc:docMk/>
+      </pc:docMkLst>
+      <pc:sldChg chg="addSp modSp mod">
+        <pc:chgData name="Bruno Barbosa" userId="0e4079a4e7ff93ff" providerId="LiveId" clId="{F981C50A-0ADC-4D36-80B1-A5861D1173FD}" dt="2023-03-09T11:06:27.810" v="23" actId="207"/>
+        <pc:sldMkLst>
+          <pc:docMk/>
+          <pc:sldMk cId="1586985968" sldId="258"/>
+        </pc:sldMkLst>
+        <pc:spChg chg="mod">
+          <ac:chgData name="Bruno Barbosa" userId="0e4079a4e7ff93ff" providerId="LiveId" clId="{F981C50A-0ADC-4D36-80B1-A5861D1173FD}" dt="2023-03-09T11:05:09.644" v="1" actId="1076"/>
+          <ac:spMkLst>
+            <pc:docMk/>
+            <pc:sldMk cId="1586985968" sldId="258"/>
+            <ac:spMk id="2" creationId="{0D253391-8866-2DC4-E65A-389C50A415AC}"/>
+          </ac:spMkLst>
+        </pc:spChg>
+        <pc:spChg chg="mod">
+          <ac:chgData name="Bruno Barbosa" userId="0e4079a4e7ff93ff" providerId="LiveId" clId="{F981C50A-0ADC-4D36-80B1-A5861D1173FD}" dt="2023-03-09T11:05:45.051" v="13" actId="20577"/>
+          <ac:spMkLst>
+            <pc:docMk/>
+            <pc:sldMk cId="1586985968" sldId="258"/>
+            <ac:spMk id="7" creationId="{3BE447D3-B1D5-9096-3E77-79CFD12B582D}"/>
+          </ac:spMkLst>
+        </pc:spChg>
+        <pc:spChg chg="mod">
+          <ac:chgData name="Bruno Barbosa" userId="0e4079a4e7ff93ff" providerId="LiveId" clId="{F981C50A-0ADC-4D36-80B1-A5861D1173FD}" dt="2023-03-09T11:05:11.756" v="2"/>
+          <ac:spMkLst>
+            <pc:docMk/>
+            <pc:sldMk cId="1586985968" sldId="258"/>
+            <ac:spMk id="11" creationId="{5D200E66-6D8D-7118-12B8-28EA722FA220}"/>
+          </ac:spMkLst>
+        </pc:spChg>
+        <pc:spChg chg="mod">
+          <ac:chgData name="Bruno Barbosa" userId="0e4079a4e7ff93ff" providerId="LiveId" clId="{F981C50A-0ADC-4D36-80B1-A5861D1173FD}" dt="2023-03-09T11:05:11.756" v="2"/>
+          <ac:spMkLst>
+            <pc:docMk/>
+            <pc:sldMk cId="1586985968" sldId="258"/>
+            <ac:spMk id="12" creationId="{6B4B50C7-FF42-0A5D-8553-7DE91A7D2969}"/>
+          </ac:spMkLst>
+        </pc:spChg>
+        <pc:spChg chg="mod">
+          <ac:chgData name="Bruno Barbosa" userId="0e4079a4e7ff93ff" providerId="LiveId" clId="{F981C50A-0ADC-4D36-80B1-A5861D1173FD}" dt="2023-03-09T11:06:27.810" v="23" actId="207"/>
+          <ac:spMkLst>
+            <pc:docMk/>
+            <pc:sldMk cId="1586985968" sldId="258"/>
+            <ac:spMk id="13" creationId="{98436EE0-D7F4-4B46-B69C-2973DB0F5CE3}"/>
+          </ac:spMkLst>
+        </pc:spChg>
+        <pc:spChg chg="mod">
+          <ac:chgData name="Bruno Barbosa" userId="0e4079a4e7ff93ff" providerId="LiveId" clId="{F981C50A-0ADC-4D36-80B1-A5861D1173FD}" dt="2023-03-09T11:05:11.756" v="2"/>
+          <ac:spMkLst>
+            <pc:docMk/>
+            <pc:sldMk cId="1586985968" sldId="258"/>
+            <ac:spMk id="14" creationId="{AFC2FF77-7C98-F9B4-2087-134A619A4AA6}"/>
+          </ac:spMkLst>
+        </pc:spChg>
+        <pc:spChg chg="mod">
+          <ac:chgData name="Bruno Barbosa" userId="0e4079a4e7ff93ff" providerId="LiveId" clId="{F981C50A-0ADC-4D36-80B1-A5861D1173FD}" dt="2023-03-09T11:05:11.756" v="2"/>
+          <ac:spMkLst>
+            <pc:docMk/>
+            <pc:sldMk cId="1586985968" sldId="258"/>
+            <ac:spMk id="16" creationId="{19FAC465-BF74-8971-CFB0-CA19BD8937B1}"/>
+          </ac:spMkLst>
+        </pc:spChg>
+        <pc:spChg chg="mod">
+          <ac:chgData name="Bruno Barbosa" userId="0e4079a4e7ff93ff" providerId="LiveId" clId="{F981C50A-0ADC-4D36-80B1-A5861D1173FD}" dt="2023-03-09T11:05:09.644" v="1" actId="1076"/>
+          <ac:spMkLst>
+            <pc:docMk/>
+            <pc:sldMk cId="1586985968" sldId="258"/>
+            <ac:spMk id="26" creationId="{82C117B5-1A82-9528-EE14-980F5E877D24}"/>
+          </ac:spMkLst>
+        </pc:spChg>
+        <pc:spChg chg="mod">
+          <ac:chgData name="Bruno Barbosa" userId="0e4079a4e7ff93ff" providerId="LiveId" clId="{F981C50A-0ADC-4D36-80B1-A5861D1173FD}" dt="2023-03-09T11:06:24.405" v="22" actId="207"/>
+          <ac:spMkLst>
+            <pc:docMk/>
+            <pc:sldMk cId="1586985968" sldId="258"/>
+            <ac:spMk id="27" creationId="{783E6095-096E-D898-EE1B-F07EBAD7F0F4}"/>
+          </ac:spMkLst>
+        </pc:spChg>
+        <pc:spChg chg="mod">
+          <ac:chgData name="Bruno Barbosa" userId="0e4079a4e7ff93ff" providerId="LiveId" clId="{F981C50A-0ADC-4D36-80B1-A5861D1173FD}" dt="2023-03-09T11:05:09.644" v="1" actId="1076"/>
+          <ac:spMkLst>
+            <pc:docMk/>
+            <pc:sldMk cId="1586985968" sldId="258"/>
+            <ac:spMk id="28" creationId="{33AEC669-5540-4690-F4D0-CE1236BA0F86}"/>
+          </ac:spMkLst>
+        </pc:spChg>
+        <pc:spChg chg="mod">
+          <ac:chgData name="Bruno Barbosa" userId="0e4079a4e7ff93ff" providerId="LiveId" clId="{F981C50A-0ADC-4D36-80B1-A5861D1173FD}" dt="2023-03-09T11:05:09.644" v="1" actId="1076"/>
+          <ac:spMkLst>
+            <pc:docMk/>
+            <pc:sldMk cId="1586985968" sldId="258"/>
+            <ac:spMk id="29" creationId="{BB0C106E-44D6-6DB8-572E-2C7C95D88106}"/>
+          </ac:spMkLst>
+        </pc:spChg>
+        <pc:spChg chg="mod">
+          <ac:chgData name="Bruno Barbosa" userId="0e4079a4e7ff93ff" providerId="LiveId" clId="{F981C50A-0ADC-4D36-80B1-A5861D1173FD}" dt="2023-03-09T11:05:09.644" v="1" actId="1076"/>
+          <ac:spMkLst>
+            <pc:docMk/>
+            <pc:sldMk cId="1586985968" sldId="258"/>
+            <ac:spMk id="30" creationId="{ED5EF27B-D969-BC23-0AAF-B25BBBA500F1}"/>
+          </ac:spMkLst>
+        </pc:spChg>
+        <pc:spChg chg="mod">
+          <ac:chgData name="Bruno Barbosa" userId="0e4079a4e7ff93ff" providerId="LiveId" clId="{F981C50A-0ADC-4D36-80B1-A5861D1173FD}" dt="2023-03-09T11:05:09.644" v="1" actId="1076"/>
+          <ac:spMkLst>
+            <pc:docMk/>
+            <pc:sldMk cId="1586985968" sldId="258"/>
+            <ac:spMk id="31" creationId="{812918AE-45BE-BF7A-56EF-606EB61722C1}"/>
+          </ac:spMkLst>
+        </pc:spChg>
+        <pc:spChg chg="mod">
+          <ac:chgData name="Bruno Barbosa" userId="0e4079a4e7ff93ff" providerId="LiveId" clId="{F981C50A-0ADC-4D36-80B1-A5861D1173FD}" dt="2023-03-09T11:05:09.644" v="1" actId="1076"/>
+          <ac:spMkLst>
+            <pc:docMk/>
+            <pc:sldMk cId="1586985968" sldId="258"/>
+            <ac:spMk id="32" creationId="{9121E600-2E66-BBFF-3FC1-514994D4C0AB}"/>
+          </ac:spMkLst>
+        </pc:spChg>
+        <pc:spChg chg="mod">
+          <ac:chgData name="Bruno Barbosa" userId="0e4079a4e7ff93ff" providerId="LiveId" clId="{F981C50A-0ADC-4D36-80B1-A5861D1173FD}" dt="2023-03-09T11:05:09.644" v="1" actId="1076"/>
+          <ac:spMkLst>
+            <pc:docMk/>
+            <pc:sldMk cId="1586985968" sldId="258"/>
+            <ac:spMk id="33" creationId="{6A15D049-2415-A64A-5426-C51F5722118B}"/>
+          </ac:spMkLst>
+        </pc:spChg>
+        <pc:spChg chg="mod">
+          <ac:chgData name="Bruno Barbosa" userId="0e4079a4e7ff93ff" providerId="LiveId" clId="{F981C50A-0ADC-4D36-80B1-A5861D1173FD}" dt="2023-03-09T11:05:09.644" v="1" actId="1076"/>
+          <ac:spMkLst>
+            <pc:docMk/>
+            <pc:sldMk cId="1586985968" sldId="258"/>
+            <ac:spMk id="34" creationId="{37A551CF-3BF7-0E3E-E2B1-C510DD2ABF97}"/>
+          </ac:spMkLst>
+        </pc:spChg>
+        <pc:spChg chg="mod">
+          <ac:chgData name="Bruno Barbosa" userId="0e4079a4e7ff93ff" providerId="LiveId" clId="{F981C50A-0ADC-4D36-80B1-A5861D1173FD}" dt="2023-03-09T11:05:09.644" v="1" actId="1076"/>
+          <ac:spMkLst>
+            <pc:docMk/>
+            <pc:sldMk cId="1586985968" sldId="258"/>
+            <ac:spMk id="35" creationId="{A8A825E6-AD53-8108-9201-FD109753FB71}"/>
+          </ac:spMkLst>
+        </pc:spChg>
+        <pc:spChg chg="mod">
+          <ac:chgData name="Bruno Barbosa" userId="0e4079a4e7ff93ff" providerId="LiveId" clId="{F981C50A-0ADC-4D36-80B1-A5861D1173FD}" dt="2023-03-09T11:05:09.644" v="1" actId="1076"/>
+          <ac:spMkLst>
+            <pc:docMk/>
+            <pc:sldMk cId="1586985968" sldId="258"/>
+            <ac:spMk id="36" creationId="{A92894D6-0058-72E9-CAF8-E384EAB86211}"/>
+          </ac:spMkLst>
+        </pc:spChg>
+        <pc:spChg chg="mod">
+          <ac:chgData name="Bruno Barbosa" userId="0e4079a4e7ff93ff" providerId="LiveId" clId="{F981C50A-0ADC-4D36-80B1-A5861D1173FD}" dt="2023-03-09T11:05:09.644" v="1" actId="1076"/>
+          <ac:spMkLst>
+            <pc:docMk/>
+            <pc:sldMk cId="1586985968" sldId="258"/>
+            <ac:spMk id="54" creationId="{3D1744C3-FAC6-DC50-E5AC-0830C2B31D68}"/>
+          </ac:spMkLst>
+        </pc:spChg>
+        <pc:grpChg chg="add mod">
+          <ac:chgData name="Bruno Barbosa" userId="0e4079a4e7ff93ff" providerId="LiveId" clId="{F981C50A-0ADC-4D36-80B1-A5861D1173FD}" dt="2023-03-09T11:05:18.752" v="5" actId="1076"/>
+          <ac:grpSpMkLst>
+            <pc:docMk/>
+            <pc:sldMk cId="1586985968" sldId="258"/>
+            <ac:grpSpMk id="4" creationId="{D820B246-D4CA-A810-8D7F-7BD76218FFD3}"/>
+          </ac:grpSpMkLst>
+        </pc:grpChg>
+        <pc:grpChg chg="mod">
+          <ac:chgData name="Bruno Barbosa" userId="0e4079a4e7ff93ff" providerId="LiveId" clId="{F981C50A-0ADC-4D36-80B1-A5861D1173FD}" dt="2023-03-09T11:05:16.032" v="4" actId="1076"/>
+          <ac:grpSpMkLst>
+            <pc:docMk/>
+            <pc:sldMk cId="1586985968" sldId="258"/>
+            <ac:grpSpMk id="25" creationId="{BF0A11B6-4EA0-AD85-1A4D-1B7A345A81E5}"/>
+          </ac:grpSpMkLst>
+        </pc:grpChg>
+        <pc:grpChg chg="mod">
+          <ac:chgData name="Bruno Barbosa" userId="0e4079a4e7ff93ff" providerId="LiveId" clId="{F981C50A-0ADC-4D36-80B1-A5861D1173FD}" dt="2023-03-09T11:05:05.246" v="0" actId="1076"/>
+          <ac:grpSpMkLst>
+            <pc:docMk/>
+            <pc:sldMk cId="1586985968" sldId="258"/>
+            <ac:grpSpMk id="45" creationId="{D108D79F-A554-04B4-9112-1A4D5973D7EB}"/>
+          </ac:grpSpMkLst>
+        </pc:grpChg>
+        <pc:cxnChg chg="mod">
+          <ac:chgData name="Bruno Barbosa" userId="0e4079a4e7ff93ff" providerId="LiveId" clId="{F981C50A-0ADC-4D36-80B1-A5861D1173FD}" dt="2023-03-09T11:05:11.756" v="2"/>
+          <ac:cxnSpMkLst>
+            <pc:docMk/>
+            <pc:sldMk cId="1586985968" sldId="258"/>
+            <ac:cxnSpMk id="15" creationId="{8BDB5719-757D-9D77-4895-56024D69DEAB}"/>
+          </ac:cxnSpMkLst>
+        </pc:cxnChg>
       </pc:sldChg>
     </pc:docChg>
   </pc:docChgLst>
@@ -1010,6 +1213,440 @@
     </pc:docChg>
   </pc:docChgLst>
 </pc:chgInfo>
+</file>
+
+<file path=ppt/notesMasters/notesMaster1.xml><?xml version="1.0" encoding="utf-8"?>
+<p:notesMaster xmlns:a="http://schemas.openxmlformats.org/drawingml/2006/main" xmlns:r="http://schemas.openxmlformats.org/officeDocument/2006/relationships" xmlns:p="http://schemas.openxmlformats.org/presentationml/2006/main">
+  <p:cSld>
+    <p:bg>
+      <p:bgRef idx="1001">
+        <a:schemeClr val="bg1"/>
+      </p:bgRef>
+    </p:bg>
+    <p:spTree>
+      <p:nvGrpSpPr>
+        <p:cNvPr id="1" name=""/>
+        <p:cNvGrpSpPr/>
+        <p:nvPr/>
+      </p:nvGrpSpPr>
+      <p:grpSpPr>
+        <a:xfrm>
+          <a:off x="0" y="0"/>
+          <a:ext cx="0" cy="0"/>
+          <a:chOff x="0" y="0"/>
+          <a:chExt cx="0" cy="0"/>
+        </a:xfrm>
+      </p:grpSpPr>
+      <p:sp>
+        <p:nvSpPr>
+          <p:cNvPr id="2" name="Header Placeholder 1"/>
+          <p:cNvSpPr>
+            <a:spLocks noGrp="1"/>
+          </p:cNvSpPr>
+          <p:nvPr>
+            <p:ph type="hdr" sz="quarter"/>
+          </p:nvPr>
+        </p:nvSpPr>
+        <p:spPr>
+          <a:xfrm>
+            <a:off x="0" y="0"/>
+            <a:ext cx="2971800" cy="458788"/>
+          </a:xfrm>
+          <a:prstGeom prst="rect">
+            <a:avLst/>
+          </a:prstGeom>
+        </p:spPr>
+        <p:txBody>
+          <a:bodyPr vert="horz" lIns="91440" tIns="45720" rIns="91440" bIns="45720" rtlCol="0"/>
+          <a:lstStyle>
+            <a:lvl1pPr algn="l">
+              <a:defRPr sz="1200"/>
+            </a:lvl1pPr>
+          </a:lstStyle>
+          <a:p>
+            <a:endParaRPr lang="pt-BR"/>
+          </a:p>
+        </p:txBody>
+      </p:sp>
+      <p:sp>
+        <p:nvSpPr>
+          <p:cNvPr id="3" name="Date Placeholder 2"/>
+          <p:cNvSpPr>
+            <a:spLocks noGrp="1"/>
+          </p:cNvSpPr>
+          <p:nvPr>
+            <p:ph type="dt" idx="1"/>
+          </p:nvPr>
+        </p:nvSpPr>
+        <p:spPr>
+          <a:xfrm>
+            <a:off x="3884613" y="0"/>
+            <a:ext cx="2971800" cy="458788"/>
+          </a:xfrm>
+          <a:prstGeom prst="rect">
+            <a:avLst/>
+          </a:prstGeom>
+        </p:spPr>
+        <p:txBody>
+          <a:bodyPr vert="horz" lIns="91440" tIns="45720" rIns="91440" bIns="45720" rtlCol="0"/>
+          <a:lstStyle>
+            <a:lvl1pPr algn="r">
+              <a:defRPr sz="1200"/>
+            </a:lvl1pPr>
+          </a:lstStyle>
+          <a:p>
+            <a:fld id="{81F35886-D6EC-440E-9C1A-FD3B40C2AC98}" type="datetimeFigureOut">
+              <a:rPr lang="pt-BR" smtClean="0"/>
+              <a:t>09/03/2023</a:t>
+            </a:fld>
+            <a:endParaRPr lang="pt-BR"/>
+          </a:p>
+        </p:txBody>
+      </p:sp>
+      <p:sp>
+        <p:nvSpPr>
+          <p:cNvPr id="4" name="Slide Image Placeholder 3"/>
+          <p:cNvSpPr>
+            <a:spLocks noGrp="1" noRot="1" noChangeAspect="1"/>
+          </p:cNvSpPr>
+          <p:nvPr>
+            <p:ph type="sldImg" idx="2"/>
+          </p:nvPr>
+        </p:nvSpPr>
+        <p:spPr>
+          <a:xfrm>
+            <a:off x="685800" y="1143000"/>
+            <a:ext cx="5486400" cy="3086100"/>
+          </a:xfrm>
+          <a:prstGeom prst="rect">
+            <a:avLst/>
+          </a:prstGeom>
+          <a:noFill/>
+          <a:ln w="12700">
+            <a:solidFill>
+              <a:prstClr val="black"/>
+            </a:solidFill>
+          </a:ln>
+        </p:spPr>
+        <p:txBody>
+          <a:bodyPr vert="horz" lIns="91440" tIns="45720" rIns="91440" bIns="45720" rtlCol="0" anchor="ctr"/>
+          <a:lstStyle/>
+          <a:p>
+            <a:endParaRPr lang="pt-BR"/>
+          </a:p>
+        </p:txBody>
+      </p:sp>
+      <p:sp>
+        <p:nvSpPr>
+          <p:cNvPr id="5" name="Notes Placeholder 4"/>
+          <p:cNvSpPr>
+            <a:spLocks noGrp="1"/>
+          </p:cNvSpPr>
+          <p:nvPr>
+            <p:ph type="body" sz="quarter" idx="3"/>
+          </p:nvPr>
+        </p:nvSpPr>
+        <p:spPr>
+          <a:xfrm>
+            <a:off x="685800" y="4400550"/>
+            <a:ext cx="5486400" cy="3600450"/>
+          </a:xfrm>
+          <a:prstGeom prst="rect">
+            <a:avLst/>
+          </a:prstGeom>
+        </p:spPr>
+        <p:txBody>
+          <a:bodyPr vert="horz" lIns="91440" tIns="45720" rIns="91440" bIns="45720" rtlCol="0"/>
+          <a:lstStyle/>
+          <a:p>
+            <a:pPr lvl="0"/>
+            <a:r>
+              <a:rPr lang="en-US"/>
+              <a:t>Click to edit Master text styles</a:t>
+            </a:r>
+          </a:p>
+          <a:p>
+            <a:pPr lvl="1"/>
+            <a:r>
+              <a:rPr lang="en-US"/>
+              <a:t>Second level</a:t>
+            </a:r>
+          </a:p>
+          <a:p>
+            <a:pPr lvl="2"/>
+            <a:r>
+              <a:rPr lang="en-US"/>
+              <a:t>Third level</a:t>
+            </a:r>
+          </a:p>
+          <a:p>
+            <a:pPr lvl="3"/>
+            <a:r>
+              <a:rPr lang="en-US"/>
+              <a:t>Fourth level</a:t>
+            </a:r>
+          </a:p>
+          <a:p>
+            <a:pPr lvl="4"/>
+            <a:r>
+              <a:rPr lang="en-US"/>
+              <a:t>Fifth level</a:t>
+            </a:r>
+            <a:endParaRPr lang="pt-BR"/>
+          </a:p>
+        </p:txBody>
+      </p:sp>
+      <p:sp>
+        <p:nvSpPr>
+          <p:cNvPr id="6" name="Footer Placeholder 5"/>
+          <p:cNvSpPr>
+            <a:spLocks noGrp="1"/>
+          </p:cNvSpPr>
+          <p:nvPr>
+            <p:ph type="ftr" sz="quarter" idx="4"/>
+          </p:nvPr>
+        </p:nvSpPr>
+        <p:spPr>
+          <a:xfrm>
+            <a:off x="0" y="8685213"/>
+            <a:ext cx="2971800" cy="458787"/>
+          </a:xfrm>
+          <a:prstGeom prst="rect">
+            <a:avLst/>
+          </a:prstGeom>
+        </p:spPr>
+        <p:txBody>
+          <a:bodyPr vert="horz" lIns="91440" tIns="45720" rIns="91440" bIns="45720" rtlCol="0" anchor="b"/>
+          <a:lstStyle>
+            <a:lvl1pPr algn="l">
+              <a:defRPr sz="1200"/>
+            </a:lvl1pPr>
+          </a:lstStyle>
+          <a:p>
+            <a:endParaRPr lang="pt-BR"/>
+          </a:p>
+        </p:txBody>
+      </p:sp>
+      <p:sp>
+        <p:nvSpPr>
+          <p:cNvPr id="7" name="Slide Number Placeholder 6"/>
+          <p:cNvSpPr>
+            <a:spLocks noGrp="1"/>
+          </p:cNvSpPr>
+          <p:nvPr>
+            <p:ph type="sldNum" sz="quarter" idx="5"/>
+          </p:nvPr>
+        </p:nvSpPr>
+        <p:spPr>
+          <a:xfrm>
+            <a:off x="3884613" y="8685213"/>
+            <a:ext cx="2971800" cy="458787"/>
+          </a:xfrm>
+          <a:prstGeom prst="rect">
+            <a:avLst/>
+          </a:prstGeom>
+        </p:spPr>
+        <p:txBody>
+          <a:bodyPr vert="horz" lIns="91440" tIns="45720" rIns="91440" bIns="45720" rtlCol="0" anchor="b"/>
+          <a:lstStyle>
+            <a:lvl1pPr algn="r">
+              <a:defRPr sz="1200"/>
+            </a:lvl1pPr>
+          </a:lstStyle>
+          <a:p>
+            <a:fld id="{119D4F5F-7049-41A5-9B12-7925F99177AC}" type="slidenum">
+              <a:rPr lang="pt-BR" smtClean="0"/>
+              <a:t>‹#›</a:t>
+            </a:fld>
+            <a:endParaRPr lang="pt-BR"/>
+          </a:p>
+        </p:txBody>
+      </p:sp>
+    </p:spTree>
+    <p:extLst>
+      <p:ext uri="{BB962C8B-B14F-4D97-AF65-F5344CB8AC3E}">
+        <p14:creationId xmlns:p14="http://schemas.microsoft.com/office/powerpoint/2010/main" val="1076950690"/>
+      </p:ext>
+    </p:extLst>
+  </p:cSld>
+  <p:clrMap bg1="lt1" tx1="dk1" bg2="lt2" tx2="dk2" accent1="accent1" accent2="accent2" accent3="accent3" accent4="accent4" accent5="accent5" accent6="accent6" hlink="hlink" folHlink="folHlink"/>
+  <p:notesStyle>
+    <a:lvl1pPr marL="0" algn="l" defTabSz="914400" rtl="0" eaLnBrk="1" latinLnBrk="0" hangingPunct="1">
+      <a:defRPr sz="1200" kern="1200">
+        <a:solidFill>
+          <a:schemeClr val="tx1"/>
+        </a:solidFill>
+        <a:latin typeface="+mn-lt"/>
+        <a:ea typeface="+mn-ea"/>
+        <a:cs typeface="+mn-cs"/>
+      </a:defRPr>
+    </a:lvl1pPr>
+    <a:lvl2pPr marL="457200" algn="l" defTabSz="914400" rtl="0" eaLnBrk="1" latinLnBrk="0" hangingPunct="1">
+      <a:defRPr sz="1200" kern="1200">
+        <a:solidFill>
+          <a:schemeClr val="tx1"/>
+        </a:solidFill>
+        <a:latin typeface="+mn-lt"/>
+        <a:ea typeface="+mn-ea"/>
+        <a:cs typeface="+mn-cs"/>
+      </a:defRPr>
+    </a:lvl2pPr>
+    <a:lvl3pPr marL="914400" algn="l" defTabSz="914400" rtl="0" eaLnBrk="1" latinLnBrk="0" hangingPunct="1">
+      <a:defRPr sz="1200" kern="1200">
+        <a:solidFill>
+          <a:schemeClr val="tx1"/>
+        </a:solidFill>
+        <a:latin typeface="+mn-lt"/>
+        <a:ea typeface="+mn-ea"/>
+        <a:cs typeface="+mn-cs"/>
+      </a:defRPr>
+    </a:lvl3pPr>
+    <a:lvl4pPr marL="1371600" algn="l" defTabSz="914400" rtl="0" eaLnBrk="1" latinLnBrk="0" hangingPunct="1">
+      <a:defRPr sz="1200" kern="1200">
+        <a:solidFill>
+          <a:schemeClr val="tx1"/>
+        </a:solidFill>
+        <a:latin typeface="+mn-lt"/>
+        <a:ea typeface="+mn-ea"/>
+        <a:cs typeface="+mn-cs"/>
+      </a:defRPr>
+    </a:lvl4pPr>
+    <a:lvl5pPr marL="1828800" algn="l" defTabSz="914400" rtl="0" eaLnBrk="1" latinLnBrk="0" hangingPunct="1">
+      <a:defRPr sz="1200" kern="1200">
+        <a:solidFill>
+          <a:schemeClr val="tx1"/>
+        </a:solidFill>
+        <a:latin typeface="+mn-lt"/>
+        <a:ea typeface="+mn-ea"/>
+        <a:cs typeface="+mn-cs"/>
+      </a:defRPr>
+    </a:lvl5pPr>
+    <a:lvl6pPr marL="2286000" algn="l" defTabSz="914400" rtl="0" eaLnBrk="1" latinLnBrk="0" hangingPunct="1">
+      <a:defRPr sz="1200" kern="1200">
+        <a:solidFill>
+          <a:schemeClr val="tx1"/>
+        </a:solidFill>
+        <a:latin typeface="+mn-lt"/>
+        <a:ea typeface="+mn-ea"/>
+        <a:cs typeface="+mn-cs"/>
+      </a:defRPr>
+    </a:lvl6pPr>
+    <a:lvl7pPr marL="2743200" algn="l" defTabSz="914400" rtl="0" eaLnBrk="1" latinLnBrk="0" hangingPunct="1">
+      <a:defRPr sz="1200" kern="1200">
+        <a:solidFill>
+          <a:schemeClr val="tx1"/>
+        </a:solidFill>
+        <a:latin typeface="+mn-lt"/>
+        <a:ea typeface="+mn-ea"/>
+        <a:cs typeface="+mn-cs"/>
+      </a:defRPr>
+    </a:lvl7pPr>
+    <a:lvl8pPr marL="3200400" algn="l" defTabSz="914400" rtl="0" eaLnBrk="1" latinLnBrk="0" hangingPunct="1">
+      <a:defRPr sz="1200" kern="1200">
+        <a:solidFill>
+          <a:schemeClr val="tx1"/>
+        </a:solidFill>
+        <a:latin typeface="+mn-lt"/>
+        <a:ea typeface="+mn-ea"/>
+        <a:cs typeface="+mn-cs"/>
+      </a:defRPr>
+    </a:lvl8pPr>
+    <a:lvl9pPr marL="3657600" algn="l" defTabSz="914400" rtl="0" eaLnBrk="1" latinLnBrk="0" hangingPunct="1">
+      <a:defRPr sz="1200" kern="1200">
+        <a:solidFill>
+          <a:schemeClr val="tx1"/>
+        </a:solidFill>
+        <a:latin typeface="+mn-lt"/>
+        <a:ea typeface="+mn-ea"/>
+        <a:cs typeface="+mn-cs"/>
+      </a:defRPr>
+    </a:lvl9pPr>
+  </p:notesStyle>
+</p:notesMaster>
+</file>
+
+<file path=ppt/notesSlides/notesSlide1.xml><?xml version="1.0" encoding="utf-8"?>
+<p:notes xmlns:a="http://schemas.openxmlformats.org/drawingml/2006/main" xmlns:r="http://schemas.openxmlformats.org/officeDocument/2006/relationships" xmlns:p="http://schemas.openxmlformats.org/presentationml/2006/main">
+  <p:cSld>
+    <p:spTree>
+      <p:nvGrpSpPr>
+        <p:cNvPr id="1" name=""/>
+        <p:cNvGrpSpPr/>
+        <p:nvPr/>
+      </p:nvGrpSpPr>
+      <p:grpSpPr>
+        <a:xfrm>
+          <a:off x="0" y="0"/>
+          <a:ext cx="0" cy="0"/>
+          <a:chOff x="0" y="0"/>
+          <a:chExt cx="0" cy="0"/>
+        </a:xfrm>
+      </p:grpSpPr>
+      <p:sp>
+        <p:nvSpPr>
+          <p:cNvPr id="2" name="Slide Image Placeholder 1"/>
+          <p:cNvSpPr>
+            <a:spLocks noGrp="1" noRot="1" noChangeAspect="1"/>
+          </p:cNvSpPr>
+          <p:nvPr>
+            <p:ph type="sldImg"/>
+          </p:nvPr>
+        </p:nvSpPr>
+        <p:spPr/>
+      </p:sp>
+      <p:sp>
+        <p:nvSpPr>
+          <p:cNvPr id="3" name="Notes Placeholder 2"/>
+          <p:cNvSpPr>
+            <a:spLocks noGrp="1"/>
+          </p:cNvSpPr>
+          <p:nvPr>
+            <p:ph type="body" idx="1"/>
+          </p:nvPr>
+        </p:nvSpPr>
+        <p:spPr/>
+        <p:txBody>
+          <a:bodyPr/>
+          <a:lstStyle/>
+          <a:p>
+            <a:endParaRPr lang="pt-BR" dirty="0"/>
+          </a:p>
+        </p:txBody>
+      </p:sp>
+      <p:sp>
+        <p:nvSpPr>
+          <p:cNvPr id="4" name="Slide Number Placeholder 3"/>
+          <p:cNvSpPr>
+            <a:spLocks noGrp="1"/>
+          </p:cNvSpPr>
+          <p:nvPr>
+            <p:ph type="sldNum" sz="quarter" idx="5"/>
+          </p:nvPr>
+        </p:nvSpPr>
+        <p:spPr/>
+        <p:txBody>
+          <a:bodyPr/>
+          <a:lstStyle/>
+          <a:p>
+            <a:fld id="{119D4F5F-7049-41A5-9B12-7925F99177AC}" type="slidenum">
+              <a:rPr lang="pt-BR" smtClean="0"/>
+              <a:t>3</a:t>
+            </a:fld>
+            <a:endParaRPr lang="pt-BR"/>
+          </a:p>
+        </p:txBody>
+      </p:sp>
+    </p:spTree>
+    <p:extLst>
+      <p:ext uri="{BB962C8B-B14F-4D97-AF65-F5344CB8AC3E}">
+        <p14:creationId xmlns:p14="http://schemas.microsoft.com/office/powerpoint/2010/main" val="2442409766"/>
+      </p:ext>
+    </p:extLst>
+  </p:cSld>
+  <p:clrMapOvr>
+    <a:masterClrMapping/>
+  </p:clrMapOvr>
+</p:notes>
 </file>
 
 <file path=ppt/slideLayouts/slideLayout1.xml><?xml version="1.0" encoding="utf-8"?>
@@ -1159,7 +1796,7 @@
           <a:p>
             <a:fld id="{2027911E-BAFB-8745-BC16-A26686080240}" type="datetimeFigureOut">
               <a:rPr lang="pt-BR" smtClean="0"/>
-              <a:t>07/03/2023</a:t>
+              <a:t>09/03/2023</a:t>
             </a:fld>
             <a:endParaRPr lang="pt-BR"/>
           </a:p>
@@ -1357,7 +1994,7 @@
           <a:p>
             <a:fld id="{2027911E-BAFB-8745-BC16-A26686080240}" type="datetimeFigureOut">
               <a:rPr lang="pt-BR" smtClean="0"/>
-              <a:t>07/03/2023</a:t>
+              <a:t>09/03/2023</a:t>
             </a:fld>
             <a:endParaRPr lang="pt-BR"/>
           </a:p>
@@ -1565,7 +2202,7 @@
           <a:p>
             <a:fld id="{2027911E-BAFB-8745-BC16-A26686080240}" type="datetimeFigureOut">
               <a:rPr lang="pt-BR" smtClean="0"/>
-              <a:t>07/03/2023</a:t>
+              <a:t>09/03/2023</a:t>
             </a:fld>
             <a:endParaRPr lang="pt-BR"/>
           </a:p>
@@ -1763,7 +2400,7 @@
           <a:p>
             <a:fld id="{2027911E-BAFB-8745-BC16-A26686080240}" type="datetimeFigureOut">
               <a:rPr lang="pt-BR" smtClean="0"/>
-              <a:t>07/03/2023</a:t>
+              <a:t>09/03/2023</a:t>
             </a:fld>
             <a:endParaRPr lang="pt-BR"/>
           </a:p>
@@ -2038,7 +2675,7 @@
           <a:p>
             <a:fld id="{2027911E-BAFB-8745-BC16-A26686080240}" type="datetimeFigureOut">
               <a:rPr lang="pt-BR" smtClean="0"/>
-              <a:t>07/03/2023</a:t>
+              <a:t>09/03/2023</a:t>
             </a:fld>
             <a:endParaRPr lang="pt-BR"/>
           </a:p>
@@ -2303,7 +2940,7 @@
           <a:p>
             <a:fld id="{2027911E-BAFB-8745-BC16-A26686080240}" type="datetimeFigureOut">
               <a:rPr lang="pt-BR" smtClean="0"/>
-              <a:t>07/03/2023</a:t>
+              <a:t>09/03/2023</a:t>
             </a:fld>
             <a:endParaRPr lang="pt-BR"/>
           </a:p>
@@ -2715,7 +3352,7 @@
           <a:p>
             <a:fld id="{2027911E-BAFB-8745-BC16-A26686080240}" type="datetimeFigureOut">
               <a:rPr lang="pt-BR" smtClean="0"/>
-              <a:t>07/03/2023</a:t>
+              <a:t>09/03/2023</a:t>
             </a:fld>
             <a:endParaRPr lang="pt-BR"/>
           </a:p>
@@ -2856,7 +3493,7 @@
           <a:p>
             <a:fld id="{2027911E-BAFB-8745-BC16-A26686080240}" type="datetimeFigureOut">
               <a:rPr lang="pt-BR" smtClean="0"/>
-              <a:t>07/03/2023</a:t>
+              <a:t>09/03/2023</a:t>
             </a:fld>
             <a:endParaRPr lang="pt-BR"/>
           </a:p>
@@ -2969,7 +3606,7 @@
           <a:p>
             <a:fld id="{2027911E-BAFB-8745-BC16-A26686080240}" type="datetimeFigureOut">
               <a:rPr lang="pt-BR" smtClean="0"/>
-              <a:t>07/03/2023</a:t>
+              <a:t>09/03/2023</a:t>
             </a:fld>
             <a:endParaRPr lang="pt-BR"/>
           </a:p>
@@ -3280,7 +3917,7 @@
           <a:p>
             <a:fld id="{2027911E-BAFB-8745-BC16-A26686080240}" type="datetimeFigureOut">
               <a:rPr lang="pt-BR" smtClean="0"/>
-              <a:t>07/03/2023</a:t>
+              <a:t>09/03/2023</a:t>
             </a:fld>
             <a:endParaRPr lang="pt-BR"/>
           </a:p>
@@ -3568,7 +4205,7 @@
           <a:p>
             <a:fld id="{2027911E-BAFB-8745-BC16-A26686080240}" type="datetimeFigureOut">
               <a:rPr lang="pt-BR" smtClean="0"/>
-              <a:t>07/03/2023</a:t>
+              <a:t>09/03/2023</a:t>
             </a:fld>
             <a:endParaRPr lang="pt-BR"/>
           </a:p>
@@ -3809,7 +4446,7 @@
           <a:p>
             <a:fld id="{2027911E-BAFB-8745-BC16-A26686080240}" type="datetimeFigureOut">
               <a:rPr lang="pt-BR" smtClean="0"/>
-              <a:t>07/03/2023</a:t>
+              <a:t>09/03/2023</a:t>
             </a:fld>
             <a:endParaRPr lang="pt-BR"/>
           </a:p>
@@ -5151,7 +5788,7 @@
         </p:nvSpPr>
         <p:spPr>
           <a:xfrm rot="5400000">
-            <a:off x="2479221" y="3573279"/>
+            <a:off x="1761467" y="3635091"/>
             <a:ext cx="478972" cy="413658"/>
           </a:xfrm>
           <a:prstGeom prst="rightArrow">
@@ -5205,7 +5842,7 @@
         </p:nvSpPr>
         <p:spPr>
           <a:xfrm rot="5400000">
-            <a:off x="2479221" y="1476931"/>
+            <a:off x="1761467" y="1538743"/>
             <a:ext cx="478972" cy="413658"/>
           </a:xfrm>
           <a:prstGeom prst="rightArrow">
@@ -5292,7 +5929,7 @@
         </p:nvSpPr>
         <p:spPr>
           <a:xfrm>
-            <a:off x="1526721" y="1096142"/>
+            <a:off x="808967" y="1157954"/>
             <a:ext cx="2383972" cy="523219"/>
           </a:xfrm>
           <a:prstGeom prst="roundRect">
@@ -5351,7 +5988,7 @@
         </p:nvGrpSpPr>
         <p:grpSpPr>
           <a:xfrm>
-            <a:off x="4803321" y="2239735"/>
+            <a:off x="3544001" y="2298400"/>
             <a:ext cx="2585357" cy="2378529"/>
             <a:chOff x="4702629" y="1050471"/>
             <a:chExt cx="2585357" cy="2378529"/>
@@ -5761,7 +6398,7 @@
         </p:nvSpPr>
         <p:spPr>
           <a:xfrm>
-            <a:off x="1526721" y="2404946"/>
+            <a:off x="808967" y="2466758"/>
             <a:ext cx="2383972" cy="367195"/>
           </a:xfrm>
           <a:prstGeom prst="roundRect">
@@ -5819,18 +6456,20 @@
         </p:nvSpPr>
         <p:spPr>
           <a:xfrm>
-            <a:off x="1526721" y="2836046"/>
+            <a:off x="808967" y="2897858"/>
             <a:ext cx="2383972" cy="367195"/>
           </a:xfrm>
           <a:prstGeom prst="roundRect">
             <a:avLst/>
           </a:prstGeom>
           <a:solidFill>
-            <a:schemeClr val="tx2"/>
+            <a:schemeClr val="accent3"/>
           </a:solidFill>
           <a:ln>
             <a:solidFill>
-              <a:schemeClr val="tx2"/>
+              <a:schemeClr val="accent6">
+                <a:lumMod val="75000"/>
+              </a:schemeClr>
             </a:solidFill>
           </a:ln>
         </p:spPr>
@@ -5856,10 +6495,13 @@
           <a:p>
             <a:pPr algn="ctr"/>
             <a:r>
-              <a:rPr lang="pt-BR" dirty="0"/>
-              <a:t>ResNetBlock</a:t>
-            </a:r>
-            <a:endParaRPr lang="pt-BR" sz="1200" dirty="0"/>
+              <a:rPr lang="pt-BR" dirty="0">
+                <a:solidFill>
+                  <a:schemeClr val="bg1"/>
+                </a:solidFill>
+              </a:rPr>
+              <a:t>FFTBlock</a:t>
+            </a:r>
           </a:p>
         </p:txBody>
       </p:sp>
@@ -5877,7 +6519,7 @@
         </p:nvSpPr>
         <p:spPr>
           <a:xfrm>
-            <a:off x="1526721" y="3257748"/>
+            <a:off x="808967" y="3319560"/>
             <a:ext cx="2383972" cy="367195"/>
           </a:xfrm>
           <a:prstGeom prst="roundRect">
@@ -5935,7 +6577,7 @@
         </p:nvSpPr>
         <p:spPr>
           <a:xfrm>
-            <a:off x="1314448" y="2404946"/>
+            <a:off x="596694" y="2466758"/>
             <a:ext cx="168729" cy="1219997"/>
           </a:xfrm>
           <a:prstGeom prst="leftBrace">
@@ -5980,7 +6622,7 @@
         </p:nvSpPr>
         <p:spPr>
           <a:xfrm>
-            <a:off x="869832" y="2820513"/>
+            <a:off x="152078" y="2882325"/>
             <a:ext cx="401072" cy="369332"/>
           </a:xfrm>
           <a:prstGeom prst="rect">
@@ -6015,7 +6657,7 @@
         </p:nvSpPr>
         <p:spPr>
           <a:xfrm>
-            <a:off x="1526721" y="4057538"/>
+            <a:off x="808967" y="4119350"/>
             <a:ext cx="2383972" cy="367195"/>
           </a:xfrm>
           <a:prstGeom prst="roundRect">
@@ -6075,7 +6717,7 @@
         </p:nvSpPr>
         <p:spPr>
           <a:xfrm>
-            <a:off x="1526721" y="4462677"/>
+            <a:off x="808967" y="4524489"/>
             <a:ext cx="2383972" cy="473903"/>
           </a:xfrm>
           <a:prstGeom prst="roundRect">
@@ -6139,7 +6781,7 @@
         </p:nvSpPr>
         <p:spPr>
           <a:xfrm>
-            <a:off x="1526721" y="4990697"/>
+            <a:off x="808967" y="5052509"/>
             <a:ext cx="2383972" cy="473903"/>
           </a:xfrm>
           <a:prstGeom prst="roundRect">
@@ -6203,7 +6845,7 @@
         </p:nvSpPr>
         <p:spPr>
           <a:xfrm>
-            <a:off x="1526721" y="5518717"/>
+            <a:off x="808967" y="5580529"/>
             <a:ext cx="2383972" cy="473903"/>
           </a:xfrm>
           <a:prstGeom prst="roundRect">
@@ -6267,7 +6909,7 @@
         </p:nvGrpSpPr>
         <p:grpSpPr>
           <a:xfrm>
-            <a:off x="8069173" y="2422303"/>
+            <a:off x="9190051" y="2370708"/>
             <a:ext cx="2585357" cy="2013392"/>
             <a:chOff x="4702629" y="1050472"/>
             <a:chExt cx="2585357" cy="2013392"/>
@@ -6619,7 +7261,7 @@
         </p:nvSpPr>
         <p:spPr>
           <a:xfrm>
-            <a:off x="1483177" y="1930906"/>
+            <a:off x="765423" y="1992718"/>
             <a:ext cx="2383972" cy="367195"/>
           </a:xfrm>
           <a:prstGeom prst="roundRect">
@@ -6662,6 +7304,426 @@
           </a:p>
         </p:txBody>
       </p:sp>
+      <p:grpSp>
+        <p:nvGrpSpPr>
+          <p:cNvPr id="4" name="Agrupar 24">
+            <a:extLst>
+              <a:ext uri="{FF2B5EF4-FFF2-40B4-BE49-F238E27FC236}">
+                <a16:creationId xmlns:a16="http://schemas.microsoft.com/office/drawing/2014/main" id="{D820B246-D4CA-A810-8D7F-7BD76218FFD3}"/>
+              </a:ext>
+            </a:extLst>
+          </p:cNvPr>
+          <p:cNvGrpSpPr/>
+          <p:nvPr/>
+        </p:nvGrpSpPr>
+        <p:grpSpPr>
+          <a:xfrm>
+            <a:off x="6330740" y="2252565"/>
+            <a:ext cx="2585357" cy="2378529"/>
+            <a:chOff x="4702629" y="1050471"/>
+            <a:chExt cx="2585357" cy="2378529"/>
+          </a:xfrm>
+        </p:grpSpPr>
+        <p:sp>
+          <p:nvSpPr>
+            <p:cNvPr id="7" name="Retângulo Arredondado 2">
+              <a:extLst>
+                <a:ext uri="{FF2B5EF4-FFF2-40B4-BE49-F238E27FC236}">
+                  <a16:creationId xmlns:a16="http://schemas.microsoft.com/office/drawing/2014/main" id="{3BE447D3-B1D5-9096-3E77-79CFD12B582D}"/>
+                </a:ext>
+              </a:extLst>
+            </p:cNvPr>
+            <p:cNvSpPr/>
+            <p:nvPr/>
+          </p:nvSpPr>
+          <p:spPr>
+            <a:xfrm>
+              <a:off x="4702629" y="1050471"/>
+              <a:ext cx="2585357" cy="2378529"/>
+            </a:xfrm>
+            <a:prstGeom prst="roundRect">
+              <a:avLst>
+                <a:gd name="adj" fmla="val 2702"/>
+              </a:avLst>
+            </a:prstGeom>
+            <a:solidFill>
+              <a:schemeClr val="accent1">
+                <a:lumMod val="40000"/>
+                <a:lumOff val="60000"/>
+              </a:schemeClr>
+            </a:solidFill>
+            <a:ln>
+              <a:solidFill>
+                <a:schemeClr val="tx2">
+                  <a:lumMod val="75000"/>
+                </a:schemeClr>
+              </a:solidFill>
+            </a:ln>
+          </p:spPr>
+          <p:style>
+            <a:lnRef idx="2">
+              <a:schemeClr val="accent1">
+                <a:shade val="50000"/>
+              </a:schemeClr>
+            </a:lnRef>
+            <a:fillRef idx="1">
+              <a:schemeClr val="accent1"/>
+            </a:fillRef>
+            <a:effectRef idx="0">
+              <a:schemeClr val="accent1"/>
+            </a:effectRef>
+            <a:fontRef idx="minor">
+              <a:schemeClr val="lt1"/>
+            </a:fontRef>
+          </p:style>
+          <p:txBody>
+            <a:bodyPr rtlCol="0" anchor="t"/>
+            <a:lstStyle/>
+            <a:p>
+              <a:pPr algn="ctr"/>
+              <a:r>
+                <a:rPr lang="pt-BR" dirty="0">
+                  <a:solidFill>
+                    <a:schemeClr val="tx2"/>
+                  </a:solidFill>
+                </a:rPr>
+                <a:t>FFTBlock</a:t>
+              </a:r>
+            </a:p>
+          </p:txBody>
+        </p:sp>
+        <p:sp>
+          <p:nvSpPr>
+            <p:cNvPr id="11" name="Retângulo Arredondado 4">
+              <a:extLst>
+                <a:ext uri="{FF2B5EF4-FFF2-40B4-BE49-F238E27FC236}">
+                  <a16:creationId xmlns:a16="http://schemas.microsoft.com/office/drawing/2014/main" id="{5D200E66-6D8D-7118-12B8-28EA722FA220}"/>
+                </a:ext>
+              </a:extLst>
+            </p:cNvPr>
+            <p:cNvSpPr/>
+            <p:nvPr/>
+          </p:nvSpPr>
+          <p:spPr>
+            <a:xfrm>
+              <a:off x="5053692" y="1401711"/>
+              <a:ext cx="2084615" cy="343958"/>
+            </a:xfrm>
+            <a:prstGeom prst="roundRect">
+              <a:avLst/>
+            </a:prstGeom>
+            <a:solidFill>
+              <a:schemeClr val="accent2"/>
+            </a:solidFill>
+            <a:ln>
+              <a:solidFill>
+                <a:schemeClr val="accent2">
+                  <a:lumMod val="50000"/>
+                </a:schemeClr>
+              </a:solidFill>
+            </a:ln>
+          </p:spPr>
+          <p:style>
+            <a:lnRef idx="2">
+              <a:schemeClr val="accent1">
+                <a:shade val="50000"/>
+              </a:schemeClr>
+            </a:lnRef>
+            <a:fillRef idx="1">
+              <a:schemeClr val="accent1"/>
+            </a:fillRef>
+            <a:effectRef idx="0">
+              <a:schemeClr val="accent1"/>
+            </a:effectRef>
+            <a:fontRef idx="minor">
+              <a:schemeClr val="lt1"/>
+            </a:fontRef>
+          </p:style>
+          <p:txBody>
+            <a:bodyPr rtlCol="0" anchor="ctr"/>
+            <a:lstStyle/>
+            <a:p>
+              <a:pPr algn="ctr"/>
+              <a:r>
+                <a:rPr lang="pt-BR" dirty="0"/>
+                <a:t>Input</a:t>
+              </a:r>
+              <a:endParaRPr lang="pt-BR" sz="1200" dirty="0"/>
+            </a:p>
+          </p:txBody>
+        </p:sp>
+        <p:sp>
+          <p:nvSpPr>
+            <p:cNvPr id="12" name="Retângulo Arredondado 5">
+              <a:extLst>
+                <a:ext uri="{FF2B5EF4-FFF2-40B4-BE49-F238E27FC236}">
+                  <a16:creationId xmlns:a16="http://schemas.microsoft.com/office/drawing/2014/main" id="{6B4B50C7-FF42-0A5D-8553-7DE91A7D2969}"/>
+                </a:ext>
+              </a:extLst>
+            </p:cNvPr>
+            <p:cNvSpPr/>
+            <p:nvPr/>
+          </p:nvSpPr>
+          <p:spPr>
+            <a:xfrm>
+              <a:off x="5053692" y="1797806"/>
+              <a:ext cx="2084615" cy="343958"/>
+            </a:xfrm>
+            <a:prstGeom prst="roundRect">
+              <a:avLst/>
+            </a:prstGeom>
+          </p:spPr>
+          <p:style>
+            <a:lnRef idx="2">
+              <a:schemeClr val="accent1">
+                <a:shade val="50000"/>
+              </a:schemeClr>
+            </a:lnRef>
+            <a:fillRef idx="1">
+              <a:schemeClr val="accent1"/>
+            </a:fillRef>
+            <a:effectRef idx="0">
+              <a:schemeClr val="accent1"/>
+            </a:effectRef>
+            <a:fontRef idx="minor">
+              <a:schemeClr val="lt1"/>
+            </a:fontRef>
+          </p:style>
+          <p:txBody>
+            <a:bodyPr rtlCol="0" anchor="ctr"/>
+            <a:lstStyle/>
+            <a:p>
+              <a:pPr algn="ctr"/>
+              <a:r>
+                <a:rPr lang="pt-BR" dirty="0"/>
+                <a:t>Conv1D</a:t>
+              </a:r>
+              <a:endParaRPr lang="pt-BR" sz="1200" dirty="0"/>
+            </a:p>
+          </p:txBody>
+        </p:sp>
+        <p:sp>
+          <p:nvSpPr>
+            <p:cNvPr id="13" name="Retângulo Arredondado 8">
+              <a:extLst>
+                <a:ext uri="{FF2B5EF4-FFF2-40B4-BE49-F238E27FC236}">
+                  <a16:creationId xmlns:a16="http://schemas.microsoft.com/office/drawing/2014/main" id="{98436EE0-D7F4-4B46-B69C-2973DB0F5CE3}"/>
+                </a:ext>
+              </a:extLst>
+            </p:cNvPr>
+            <p:cNvSpPr/>
+            <p:nvPr/>
+          </p:nvSpPr>
+          <p:spPr>
+            <a:xfrm>
+              <a:off x="5053691" y="2193901"/>
+              <a:ext cx="2084615" cy="343958"/>
+            </a:xfrm>
+            <a:prstGeom prst="roundRect">
+              <a:avLst/>
+            </a:prstGeom>
+            <a:solidFill>
+              <a:schemeClr val="accent3"/>
+            </a:solidFill>
+            <a:ln>
+              <a:solidFill>
+                <a:schemeClr val="accent6">
+                  <a:lumMod val="75000"/>
+                </a:schemeClr>
+              </a:solidFill>
+            </a:ln>
+          </p:spPr>
+          <p:style>
+            <a:lnRef idx="2">
+              <a:schemeClr val="accent1">
+                <a:shade val="50000"/>
+              </a:schemeClr>
+            </a:lnRef>
+            <a:fillRef idx="1">
+              <a:schemeClr val="accent1"/>
+            </a:fillRef>
+            <a:effectRef idx="0">
+              <a:schemeClr val="accent1"/>
+            </a:effectRef>
+            <a:fontRef idx="minor">
+              <a:schemeClr val="lt1"/>
+            </a:fontRef>
+          </p:style>
+          <p:txBody>
+            <a:bodyPr rtlCol="0" anchor="ctr"/>
+            <a:lstStyle/>
+            <a:p>
+              <a:pPr algn="ctr"/>
+              <a:r>
+                <a:rPr lang="pt-BR" dirty="0"/>
+                <a:t>FFT</a:t>
+              </a:r>
+              <a:endParaRPr lang="pt-BR" sz="1200" dirty="0"/>
+            </a:p>
+          </p:txBody>
+        </p:sp>
+        <p:sp>
+          <p:nvSpPr>
+            <p:cNvPr id="14" name="Retângulo Arredondado 9">
+              <a:extLst>
+                <a:ext uri="{FF2B5EF4-FFF2-40B4-BE49-F238E27FC236}">
+                  <a16:creationId xmlns:a16="http://schemas.microsoft.com/office/drawing/2014/main" id="{AFC2FF77-7C98-F9B4-2087-134A619A4AA6}"/>
+                </a:ext>
+              </a:extLst>
+            </p:cNvPr>
+            <p:cNvSpPr/>
+            <p:nvPr/>
+          </p:nvSpPr>
+          <p:spPr>
+            <a:xfrm>
+              <a:off x="5053691" y="2589192"/>
+              <a:ext cx="2084615" cy="343958"/>
+            </a:xfrm>
+            <a:prstGeom prst="roundRect">
+              <a:avLst/>
+            </a:prstGeom>
+            <a:solidFill>
+              <a:srgbClr val="7030A0"/>
+            </a:solidFill>
+            <a:ln>
+              <a:solidFill>
+                <a:srgbClr val="7030A0"/>
+              </a:solidFill>
+            </a:ln>
+          </p:spPr>
+          <p:style>
+            <a:lnRef idx="2">
+              <a:schemeClr val="accent1">
+                <a:shade val="50000"/>
+              </a:schemeClr>
+            </a:lnRef>
+            <a:fillRef idx="1">
+              <a:schemeClr val="accent1"/>
+            </a:fillRef>
+            <a:effectRef idx="0">
+              <a:schemeClr val="accent1"/>
+            </a:effectRef>
+            <a:fontRef idx="minor">
+              <a:schemeClr val="lt1"/>
+            </a:fontRef>
+          </p:style>
+          <p:txBody>
+            <a:bodyPr rtlCol="0" anchor="ctr"/>
+            <a:lstStyle/>
+            <a:p>
+              <a:pPr algn="ctr"/>
+              <a:r>
+                <a:rPr lang="pt-BR" dirty="0"/>
+                <a:t>BatchNorm</a:t>
+              </a:r>
+              <a:endParaRPr lang="pt-BR" sz="1200" dirty="0"/>
+            </a:p>
+          </p:txBody>
+        </p:sp>
+        <p:cxnSp>
+          <p:nvCxnSpPr>
+            <p:cNvPr id="15" name="Conector Angulado 16">
+              <a:extLst>
+                <a:ext uri="{FF2B5EF4-FFF2-40B4-BE49-F238E27FC236}">
+                  <a16:creationId xmlns:a16="http://schemas.microsoft.com/office/drawing/2014/main" id="{8BDB5719-757D-9D77-4895-56024D69DEAB}"/>
+                </a:ext>
+              </a:extLst>
+            </p:cNvPr>
+            <p:cNvCxnSpPr>
+              <a:cxnSpLocks/>
+              <a:stCxn id="11" idx="1"/>
+              <a:endCxn id="13" idx="1"/>
+            </p:cNvCxnSpPr>
+            <p:nvPr/>
+          </p:nvCxnSpPr>
+          <p:spPr>
+            <a:xfrm rot="10800000" flipV="1">
+              <a:off x="5053692" y="1573690"/>
+              <a:ext cx="1" cy="792190"/>
+            </a:xfrm>
+            <a:prstGeom prst="bentConnector3">
+              <a:avLst>
+                <a:gd name="adj1" fmla="val 22860100000"/>
+              </a:avLst>
+            </a:prstGeom>
+            <a:ln w="28575">
+              <a:tailEnd type="triangle"/>
+            </a:ln>
+          </p:spPr>
+          <p:style>
+            <a:lnRef idx="1">
+              <a:schemeClr val="accent1"/>
+            </a:lnRef>
+            <a:fillRef idx="0">
+              <a:schemeClr val="accent1"/>
+            </a:fillRef>
+            <a:effectRef idx="0">
+              <a:schemeClr val="accent1"/>
+            </a:effectRef>
+            <a:fontRef idx="minor">
+              <a:schemeClr val="tx1"/>
+            </a:fontRef>
+          </p:style>
+        </p:cxnSp>
+        <p:sp>
+          <p:nvSpPr>
+            <p:cNvPr id="16" name="Retângulo Arredondado 23">
+              <a:extLst>
+                <a:ext uri="{FF2B5EF4-FFF2-40B4-BE49-F238E27FC236}">
+                  <a16:creationId xmlns:a16="http://schemas.microsoft.com/office/drawing/2014/main" id="{19FAC465-BF74-8971-CFB0-CA19BD8937B1}"/>
+                </a:ext>
+              </a:extLst>
+            </p:cNvPr>
+            <p:cNvSpPr/>
+            <p:nvPr/>
+          </p:nvSpPr>
+          <p:spPr>
+            <a:xfrm>
+              <a:off x="5053691" y="2986092"/>
+              <a:ext cx="2084615" cy="343958"/>
+            </a:xfrm>
+            <a:prstGeom prst="roundRect">
+              <a:avLst/>
+            </a:prstGeom>
+            <a:solidFill>
+              <a:schemeClr val="tx2"/>
+            </a:solidFill>
+            <a:ln>
+              <a:solidFill>
+                <a:schemeClr val="tx2"/>
+              </a:solidFill>
+            </a:ln>
+          </p:spPr>
+          <p:style>
+            <a:lnRef idx="2">
+              <a:schemeClr val="accent1">
+                <a:shade val="50000"/>
+              </a:schemeClr>
+            </a:lnRef>
+            <a:fillRef idx="1">
+              <a:schemeClr val="accent1"/>
+            </a:fillRef>
+            <a:effectRef idx="0">
+              <a:schemeClr val="accent1"/>
+            </a:effectRef>
+            <a:fontRef idx="minor">
+              <a:schemeClr val="lt1"/>
+            </a:fontRef>
+          </p:style>
+          <p:txBody>
+            <a:bodyPr rtlCol="0" anchor="ctr"/>
+            <a:lstStyle/>
+            <a:p>
+              <a:pPr algn="ctr"/>
+              <a:r>
+                <a:rPr lang="pt-BR" dirty="0"/>
+                <a:t>Dropout</a:t>
+              </a:r>
+              <a:endParaRPr lang="pt-BR" sz="1200" dirty="0"/>
+            </a:p>
+          </p:txBody>
+        </p:sp>
+      </p:grpSp>
     </p:spTree>
     <p:extLst>
       <p:ext uri="{BB962C8B-B14F-4D97-AF65-F5344CB8AC3E}">
@@ -7968,4 +9030,299 @@
     </a:ext>
   </a:extLst>
 </a:theme>
+</file>
+
+<file path=ppt/theme/theme2.xml><?xml version="1.0" encoding="utf-8"?>
+<a:theme xmlns:a="http://schemas.openxmlformats.org/drawingml/2006/main" name="Office Theme">
+  <a:themeElements>
+    <a:clrScheme name="Office">
+      <a:dk1>
+        <a:sysClr val="windowText" lastClr="000000"/>
+      </a:dk1>
+      <a:lt1>
+        <a:sysClr val="window" lastClr="FFFFFF"/>
+      </a:lt1>
+      <a:dk2>
+        <a:srgbClr val="44546A"/>
+      </a:dk2>
+      <a:lt2>
+        <a:srgbClr val="E7E6E6"/>
+      </a:lt2>
+      <a:accent1>
+        <a:srgbClr val="4472C4"/>
+      </a:accent1>
+      <a:accent2>
+        <a:srgbClr val="ED7D31"/>
+      </a:accent2>
+      <a:accent3>
+        <a:srgbClr val="A5A5A5"/>
+      </a:accent3>
+      <a:accent4>
+        <a:srgbClr val="FFC000"/>
+      </a:accent4>
+      <a:accent5>
+        <a:srgbClr val="5B9BD5"/>
+      </a:accent5>
+      <a:accent6>
+        <a:srgbClr val="70AD47"/>
+      </a:accent6>
+      <a:hlink>
+        <a:srgbClr val="0563C1"/>
+      </a:hlink>
+      <a:folHlink>
+        <a:srgbClr val="954F72"/>
+      </a:folHlink>
+    </a:clrScheme>
+    <a:fontScheme name="Office">
+      <a:majorFont>
+        <a:latin typeface="Calibri Light" panose="020F0302020204030204"/>
+        <a:ea typeface=""/>
+        <a:cs typeface=""/>
+        <a:font script="Jpan" typeface="游ゴシック Light"/>
+        <a:font script="Hang" typeface="맑은 고딕"/>
+        <a:font script="Hans" typeface="等线 Light"/>
+        <a:font script="Hant" typeface="新細明體"/>
+        <a:font script="Arab" typeface="Times New Roman"/>
+        <a:font script="Hebr" typeface="Times New Roman"/>
+        <a:font script="Thai" typeface="Angsana New"/>
+        <a:font script="Ethi" typeface="Nyala"/>
+        <a:font script="Beng" typeface="Vrinda"/>
+        <a:font script="Gujr" typeface="Shruti"/>
+        <a:font script="Khmr" typeface="MoolBoran"/>
+        <a:font script="Knda" typeface="Tunga"/>
+        <a:font script="Guru" typeface="Raavi"/>
+        <a:font script="Cans" typeface="Euphemia"/>
+        <a:font script="Cher" typeface="Plantagenet Cherokee"/>
+        <a:font script="Yiii" typeface="Microsoft Yi Baiti"/>
+        <a:font script="Tibt" typeface="Microsoft Himalaya"/>
+        <a:font script="Thaa" typeface="MV Boli"/>
+        <a:font script="Deva" typeface="Mangal"/>
+        <a:font script="Telu" typeface="Gautami"/>
+        <a:font script="Taml" typeface="Latha"/>
+        <a:font script="Syrc" typeface="Estrangelo Edessa"/>
+        <a:font script="Orya" typeface="Kalinga"/>
+        <a:font script="Mlym" typeface="Kartika"/>
+        <a:font script="Laoo" typeface="DokChampa"/>
+        <a:font script="Sinh" typeface="Iskoola Pota"/>
+        <a:font script="Mong" typeface="Mongolian Baiti"/>
+        <a:font script="Viet" typeface="Times New Roman"/>
+        <a:font script="Uigh" typeface="Microsoft Uighur"/>
+        <a:font script="Geor" typeface="Sylfaen"/>
+        <a:font script="Armn" typeface="Arial"/>
+        <a:font script="Bugi" typeface="Leelawadee UI"/>
+        <a:font script="Bopo" typeface="Microsoft JhengHei"/>
+        <a:font script="Java" typeface="Javanese Text"/>
+        <a:font script="Lisu" typeface="Segoe UI"/>
+        <a:font script="Mymr" typeface="Myanmar Text"/>
+        <a:font script="Nkoo" typeface="Ebrima"/>
+        <a:font script="Olck" typeface="Nirmala UI"/>
+        <a:font script="Osma" typeface="Ebrima"/>
+        <a:font script="Phag" typeface="Phagspa"/>
+        <a:font script="Syrn" typeface="Estrangelo Edessa"/>
+        <a:font script="Syrj" typeface="Estrangelo Edessa"/>
+        <a:font script="Syre" typeface="Estrangelo Edessa"/>
+        <a:font script="Sora" typeface="Nirmala UI"/>
+        <a:font script="Tale" typeface="Microsoft Tai Le"/>
+        <a:font script="Talu" typeface="Microsoft New Tai Lue"/>
+        <a:font script="Tfng" typeface="Ebrima"/>
+      </a:majorFont>
+      <a:minorFont>
+        <a:latin typeface="Calibri" panose="020F0502020204030204"/>
+        <a:ea typeface=""/>
+        <a:cs typeface=""/>
+        <a:font script="Jpan" typeface="游ゴシック"/>
+        <a:font script="Hang" typeface="맑은 고딕"/>
+        <a:font script="Hans" typeface="等线"/>
+        <a:font script="Hant" typeface="新細明體"/>
+        <a:font script="Arab" typeface="Arial"/>
+        <a:font script="Hebr" typeface="Arial"/>
+        <a:font script="Thai" typeface="Cordia New"/>
+        <a:font script="Ethi" typeface="Nyala"/>
+        <a:font script="Beng" typeface="Vrinda"/>
+        <a:font script="Gujr" typeface="Shruti"/>
+        <a:font script="Khmr" typeface="DaunPenh"/>
+        <a:font script="Knda" typeface="Tunga"/>
+        <a:font script="Guru" typeface="Raavi"/>
+        <a:font script="Cans" typeface="Euphemia"/>
+        <a:font script="Cher" typeface="Plantagenet Cherokee"/>
+        <a:font script="Yiii" typeface="Microsoft Yi Baiti"/>
+        <a:font script="Tibt" typeface="Microsoft Himalaya"/>
+        <a:font script="Thaa" typeface="MV Boli"/>
+        <a:font script="Deva" typeface="Mangal"/>
+        <a:font script="Telu" typeface="Gautami"/>
+        <a:font script="Taml" typeface="Latha"/>
+        <a:font script="Syrc" typeface="Estrangelo Edessa"/>
+        <a:font script="Orya" typeface="Kalinga"/>
+        <a:font script="Mlym" typeface="Kartika"/>
+        <a:font script="Laoo" typeface="DokChampa"/>
+        <a:font script="Sinh" typeface="Iskoola Pota"/>
+        <a:font script="Mong" typeface="Mongolian Baiti"/>
+        <a:font script="Viet" typeface="Arial"/>
+        <a:font script="Uigh" typeface="Microsoft Uighur"/>
+        <a:font script="Geor" typeface="Sylfaen"/>
+        <a:font script="Armn" typeface="Arial"/>
+        <a:font script="Bugi" typeface="Leelawadee UI"/>
+        <a:font script="Bopo" typeface="Microsoft JhengHei"/>
+        <a:font script="Java" typeface="Javanese Text"/>
+        <a:font script="Lisu" typeface="Segoe UI"/>
+        <a:font script="Mymr" typeface="Myanmar Text"/>
+        <a:font script="Nkoo" typeface="Ebrima"/>
+        <a:font script="Olck" typeface="Nirmala UI"/>
+        <a:font script="Osma" typeface="Ebrima"/>
+        <a:font script="Phag" typeface="Phagspa"/>
+        <a:font script="Syrn" typeface="Estrangelo Edessa"/>
+        <a:font script="Syrj" typeface="Estrangelo Edessa"/>
+        <a:font script="Syre" typeface="Estrangelo Edessa"/>
+        <a:font script="Sora" typeface="Nirmala UI"/>
+        <a:font script="Tale" typeface="Microsoft Tai Le"/>
+        <a:font script="Talu" typeface="Microsoft New Tai Lue"/>
+        <a:font script="Tfng" typeface="Ebrima"/>
+      </a:minorFont>
+    </a:fontScheme>
+    <a:fmtScheme name="Office">
+      <a:fillStyleLst>
+        <a:solidFill>
+          <a:schemeClr val="phClr"/>
+        </a:solidFill>
+        <a:gradFill rotWithShape="1">
+          <a:gsLst>
+            <a:gs pos="0">
+              <a:schemeClr val="phClr">
+                <a:lumMod val="110000"/>
+                <a:satMod val="105000"/>
+                <a:tint val="67000"/>
+              </a:schemeClr>
+            </a:gs>
+            <a:gs pos="50000">
+              <a:schemeClr val="phClr">
+                <a:lumMod val="105000"/>
+                <a:satMod val="103000"/>
+                <a:tint val="73000"/>
+              </a:schemeClr>
+            </a:gs>
+            <a:gs pos="100000">
+              <a:schemeClr val="phClr">
+                <a:lumMod val="105000"/>
+                <a:satMod val="109000"/>
+                <a:tint val="81000"/>
+              </a:schemeClr>
+            </a:gs>
+          </a:gsLst>
+          <a:lin ang="5400000" scaled="0"/>
+        </a:gradFill>
+        <a:gradFill rotWithShape="1">
+          <a:gsLst>
+            <a:gs pos="0">
+              <a:schemeClr val="phClr">
+                <a:satMod val="103000"/>
+                <a:lumMod val="102000"/>
+                <a:tint val="94000"/>
+              </a:schemeClr>
+            </a:gs>
+            <a:gs pos="50000">
+              <a:schemeClr val="phClr">
+                <a:satMod val="110000"/>
+                <a:lumMod val="100000"/>
+                <a:shade val="100000"/>
+              </a:schemeClr>
+            </a:gs>
+            <a:gs pos="100000">
+              <a:schemeClr val="phClr">
+                <a:lumMod val="99000"/>
+                <a:satMod val="120000"/>
+                <a:shade val="78000"/>
+              </a:schemeClr>
+            </a:gs>
+          </a:gsLst>
+          <a:lin ang="5400000" scaled="0"/>
+        </a:gradFill>
+      </a:fillStyleLst>
+      <a:lnStyleLst>
+        <a:ln w="6350" cap="flat" cmpd="sng" algn="ctr">
+          <a:solidFill>
+            <a:schemeClr val="phClr"/>
+          </a:solidFill>
+          <a:prstDash val="solid"/>
+          <a:miter lim="800000"/>
+        </a:ln>
+        <a:ln w="12700" cap="flat" cmpd="sng" algn="ctr">
+          <a:solidFill>
+            <a:schemeClr val="phClr"/>
+          </a:solidFill>
+          <a:prstDash val="solid"/>
+          <a:miter lim="800000"/>
+        </a:ln>
+        <a:ln w="19050" cap="flat" cmpd="sng" algn="ctr">
+          <a:solidFill>
+            <a:schemeClr val="phClr"/>
+          </a:solidFill>
+          <a:prstDash val="solid"/>
+          <a:miter lim="800000"/>
+        </a:ln>
+      </a:lnStyleLst>
+      <a:effectStyleLst>
+        <a:effectStyle>
+          <a:effectLst/>
+        </a:effectStyle>
+        <a:effectStyle>
+          <a:effectLst/>
+        </a:effectStyle>
+        <a:effectStyle>
+          <a:effectLst>
+            <a:outerShdw blurRad="57150" dist="19050" dir="5400000" algn="ctr" rotWithShape="0">
+              <a:srgbClr val="000000">
+                <a:alpha val="63000"/>
+              </a:srgbClr>
+            </a:outerShdw>
+          </a:effectLst>
+        </a:effectStyle>
+      </a:effectStyleLst>
+      <a:bgFillStyleLst>
+        <a:solidFill>
+          <a:schemeClr val="phClr"/>
+        </a:solidFill>
+        <a:solidFill>
+          <a:schemeClr val="phClr">
+            <a:tint val="95000"/>
+            <a:satMod val="170000"/>
+          </a:schemeClr>
+        </a:solidFill>
+        <a:gradFill rotWithShape="1">
+          <a:gsLst>
+            <a:gs pos="0">
+              <a:schemeClr val="phClr">
+                <a:tint val="93000"/>
+                <a:satMod val="150000"/>
+                <a:shade val="98000"/>
+                <a:lumMod val="102000"/>
+              </a:schemeClr>
+            </a:gs>
+            <a:gs pos="50000">
+              <a:schemeClr val="phClr">
+                <a:tint val="98000"/>
+                <a:satMod val="130000"/>
+                <a:shade val="90000"/>
+                <a:lumMod val="103000"/>
+              </a:schemeClr>
+            </a:gs>
+            <a:gs pos="100000">
+              <a:schemeClr val="phClr">
+                <a:shade val="63000"/>
+                <a:satMod val="120000"/>
+              </a:schemeClr>
+            </a:gs>
+          </a:gsLst>
+          <a:lin ang="5400000" scaled="0"/>
+        </a:gradFill>
+      </a:bgFillStyleLst>
+    </a:fmtScheme>
+  </a:themeElements>
+  <a:objectDefaults/>
+  <a:extraClrSchemeLst/>
+  <a:extLst>
+    <a:ext uri="{05A4C25C-085E-4340-85A3-A5531E510DB2}">
+      <thm15:themeFamily xmlns:thm15="http://schemas.microsoft.com/office/thememl/2012/main" name="Office Theme" id="{62F939B6-93AF-4DB8-9C6B-D6C7DFDC589F}" vid="{4A3C46E8-61CC-4603-A589-7422A47A8E4A}"/>
+    </a:ext>
+  </a:extLst>
+</a:theme>
 </file>